--- a/2024-09-10 Dotnext 2024/DDD Presentation.pptx
+++ b/2024-09-10 Dotnext 2024/DDD Presentation.pptx
@@ -24079,9 +24079,21 @@
                 <a:cs typeface="Lexend"/>
                 <a:sym typeface="Lexend"/>
               </a:rPr>
-              <a:t>TITLE </a:t>
+              <a:t>About Me:</a:t>
             </a:r>
-            <a:endParaRPr sz="2400" b="1" i="0" u="none" strike="noStrike" cap="none" dirty="0">
+            <a:r>
+              <a:rPr lang="tr" sz="2400" i="0" u="none" strike="noStrike" cap="none" dirty="0">
+                <a:solidFill>
+                  <a:srgbClr val="292D33"/>
+                </a:solidFill>
+                <a:latin typeface="Lexend"/>
+                <a:ea typeface="Lexend"/>
+                <a:cs typeface="Lexend"/>
+                <a:sym typeface="Lexend"/>
+              </a:rPr>
+              <a:t> Halil İbrahim Kalkan</a:t>
+            </a:r>
+            <a:endParaRPr sz="2400" i="0" u="none" strike="noStrike" cap="none" dirty="0">
               <a:solidFill>
                 <a:srgbClr val="292D33"/>
               </a:solidFill>
@@ -24121,300 +24133,645 @@
           </a:ln>
         </p:spPr>
       </p:pic>
-      <p:sp>
-        <p:nvSpPr>
-          <p:cNvPr id="2" name="Title 1">
+      <p:pic>
+        <p:nvPicPr>
+          <p:cNvPr id="4" name="Picture 3">
             <a:extLst>
               <a:ext uri="{FF2B5EF4-FFF2-40B4-BE49-F238E27FC236}">
-                <a16:creationId xmlns:a16="http://schemas.microsoft.com/office/drawing/2014/main" id="{E95F9F73-717B-AB7A-AB48-0FC6500D083B}"/>
+                <a16:creationId xmlns:a16="http://schemas.microsoft.com/office/drawing/2014/main" id="{F42BAF01-1440-CC39-107A-C8C486E0DB45}"/>
               </a:ext>
             </a:extLst>
           </p:cNvPr>
-          <p:cNvSpPr txBox="1">
-            <a:spLocks/>
-          </p:cNvSpPr>
+          <p:cNvPicPr>
+            <a:picLocks noChangeAspect="1"/>
+          </p:cNvPicPr>
+          <p:nvPr/>
+        </p:nvPicPr>
+        <p:blipFill>
+          <a:blip r:embed="rId5"/>
+          <a:stretch>
+            <a:fillRect/>
+          </a:stretch>
+        </p:blipFill>
+        <p:spPr>
+          <a:xfrm>
+            <a:off x="7031183" y="160657"/>
+            <a:ext cx="1954978" cy="4369779"/>
+          </a:xfrm>
+          <a:prstGeom prst="rect">
+            <a:avLst/>
+          </a:prstGeom>
+        </p:spPr>
+      </p:pic>
+      <p:pic>
+        <p:nvPicPr>
+          <p:cNvPr id="17" name="Picture 16" descr="Logo&#10;&#10;Description automatically generated">
+            <a:extLst>
+              <a:ext uri="{FF2B5EF4-FFF2-40B4-BE49-F238E27FC236}">
+                <a16:creationId xmlns:a16="http://schemas.microsoft.com/office/drawing/2014/main" id="{0776423B-CA8E-BAEC-C6E2-A321A58A1858}"/>
+              </a:ext>
+            </a:extLst>
+          </p:cNvPr>
+          <p:cNvPicPr>
+            <a:picLocks noChangeAspect="1"/>
+          </p:cNvPicPr>
+          <p:nvPr/>
+        </p:nvPicPr>
+        <p:blipFill>
+          <a:blip r:embed="rId6">
+            <a:extLst>
+              <a:ext uri="{28A0092B-C50C-407E-A947-70E740481C1C}">
+                <a14:useLocalDpi xmlns:a14="http://schemas.microsoft.com/office/drawing/2010/main" val="0"/>
+              </a:ext>
+            </a:extLst>
+          </a:blip>
+          <a:stretch>
+            <a:fillRect/>
+          </a:stretch>
+        </p:blipFill>
+        <p:spPr>
+          <a:xfrm>
+            <a:off x="188811" y="2909451"/>
+            <a:ext cx="1471823" cy="360044"/>
+          </a:xfrm>
+          <a:prstGeom prst="rect">
+            <a:avLst/>
+          </a:prstGeom>
+        </p:spPr>
+      </p:pic>
+      <p:pic>
+        <p:nvPicPr>
+          <p:cNvPr id="18" name="Picture 17" descr="Logo&#10;&#10;Description automatically generated with low confidence">
+            <a:extLst>
+              <a:ext uri="{FF2B5EF4-FFF2-40B4-BE49-F238E27FC236}">
+                <a16:creationId xmlns:a16="http://schemas.microsoft.com/office/drawing/2014/main" id="{C47E595F-C9DD-F381-4F55-319784909337}"/>
+              </a:ext>
+            </a:extLst>
+          </p:cNvPr>
+          <p:cNvPicPr>
+            <a:picLocks noChangeAspect="1"/>
+          </p:cNvPicPr>
+          <p:nvPr/>
+        </p:nvPicPr>
+        <p:blipFill>
+          <a:blip r:embed="rId7">
+            <a:extLst>
+              <a:ext uri="{28A0092B-C50C-407E-A947-70E740481C1C}">
+                <a14:useLocalDpi xmlns:a14="http://schemas.microsoft.com/office/drawing/2010/main" val="0"/>
+              </a:ext>
+            </a:extLst>
+          </a:blip>
+          <a:stretch>
+            <a:fillRect/>
+          </a:stretch>
+        </p:blipFill>
+        <p:spPr>
+          <a:xfrm>
+            <a:off x="188811" y="2421239"/>
+            <a:ext cx="1045863" cy="360044"/>
+          </a:xfrm>
+          <a:prstGeom prst="rect">
+            <a:avLst/>
+          </a:prstGeom>
+        </p:spPr>
+      </p:pic>
+      <p:pic>
+        <p:nvPicPr>
+          <p:cNvPr id="19" name="Picture 18" descr="Shape&#10;&#10;Description automatically generated with low confidence">
+            <a:extLst>
+              <a:ext uri="{FF2B5EF4-FFF2-40B4-BE49-F238E27FC236}">
+                <a16:creationId xmlns:a16="http://schemas.microsoft.com/office/drawing/2014/main" id="{77C12DF1-B775-75FB-6B91-F8CCCAA21908}"/>
+              </a:ext>
+            </a:extLst>
+          </p:cNvPr>
+          <p:cNvPicPr>
+            <a:picLocks noChangeAspect="1"/>
+          </p:cNvPicPr>
+          <p:nvPr/>
+        </p:nvPicPr>
+        <p:blipFill>
+          <a:blip r:embed="rId8">
+            <a:extLst>
+              <a:ext uri="{28A0092B-C50C-407E-A947-70E740481C1C}">
+                <a14:useLocalDpi xmlns:a14="http://schemas.microsoft.com/office/drawing/2010/main" val="0"/>
+              </a:ext>
+            </a:extLst>
+          </a:blip>
+          <a:stretch>
+            <a:fillRect/>
+          </a:stretch>
+        </p:blipFill>
+        <p:spPr>
+          <a:xfrm>
+            <a:off x="188811" y="1457347"/>
+            <a:ext cx="360044" cy="360044"/>
+          </a:xfrm>
+          <a:prstGeom prst="rect">
+            <a:avLst/>
+          </a:prstGeom>
+        </p:spPr>
+      </p:pic>
+      <p:pic>
+        <p:nvPicPr>
+          <p:cNvPr id="20" name="Picture 19" descr="Graphical user interface&#10;&#10;Description automatically generated">
+            <a:extLst>
+              <a:ext uri="{FF2B5EF4-FFF2-40B4-BE49-F238E27FC236}">
+                <a16:creationId xmlns:a16="http://schemas.microsoft.com/office/drawing/2014/main" id="{56D4587E-2572-D6C4-B2BD-A875CE4EE569}"/>
+              </a:ext>
+            </a:extLst>
+          </p:cNvPr>
+          <p:cNvPicPr>
+            <a:picLocks noChangeAspect="1"/>
+          </p:cNvPicPr>
+          <p:nvPr/>
+        </p:nvPicPr>
+        <p:blipFill>
+          <a:blip r:embed="rId9">
+            <a:extLst>
+              <a:ext uri="{28A0092B-C50C-407E-A947-70E740481C1C}">
+                <a14:useLocalDpi xmlns:a14="http://schemas.microsoft.com/office/drawing/2010/main" val="0"/>
+              </a:ext>
+            </a:extLst>
+          </a:blip>
+          <a:stretch>
+            <a:fillRect/>
+          </a:stretch>
+        </p:blipFill>
+        <p:spPr>
+          <a:xfrm>
+            <a:off x="188811" y="1909074"/>
+            <a:ext cx="357338" cy="357338"/>
+          </a:xfrm>
+          <a:prstGeom prst="rect">
+            <a:avLst/>
+          </a:prstGeom>
+        </p:spPr>
+      </p:pic>
+      <p:sp>
+        <p:nvSpPr>
+          <p:cNvPr id="21" name="TextBox 20">
+            <a:extLst>
+              <a:ext uri="{FF2B5EF4-FFF2-40B4-BE49-F238E27FC236}">
+                <a16:creationId xmlns:a16="http://schemas.microsoft.com/office/drawing/2014/main" id="{7A91D3C6-84D9-CE2C-1E09-9D25831AB82B}"/>
+              </a:ext>
+            </a:extLst>
+          </p:cNvPr>
+          <p:cNvSpPr txBox="1"/>
           <p:nvPr/>
         </p:nvSpPr>
         <p:spPr>
           <a:xfrm>
-            <a:off x="263208" y="748145"/>
-            <a:ext cx="8631409" cy="3782291"/>
+            <a:off x="653784" y="1480358"/>
+            <a:ext cx="6208635" cy="307777"/>
           </a:xfrm>
           <a:prstGeom prst="rect">
             <a:avLst/>
           </a:prstGeom>
           <a:noFill/>
-          <a:ln>
-            <a:noFill/>
-          </a:ln>
         </p:spPr>
         <p:txBody>
-          <a:bodyPr spcFirstLastPara="1" wrap="square" lIns="91425" tIns="91425" rIns="91425" bIns="91425" anchor="t" anchorCtr="0">
-            <a:normAutofit/>
+          <a:bodyPr wrap="square" rtlCol="0">
+            <a:spAutoFit/>
           </a:bodyPr>
-          <a:lstStyle>
-            <a:defPPr marR="0" lvl="0" algn="l" rtl="0">
-              <a:lnSpc>
-                <a:spcPct val="100000"/>
-              </a:lnSpc>
-              <a:spcBef>
-                <a:spcPts val="0"/>
-              </a:spcBef>
-              <a:spcAft>
-                <a:spcPts val="0"/>
-              </a:spcAft>
-            </a:defPPr>
-            <a:lvl1pPr marR="0" lvl="0" algn="ctr" rtl="0">
-              <a:lnSpc>
-                <a:spcPct val="100000"/>
-              </a:lnSpc>
-              <a:spcBef>
-                <a:spcPts val="0"/>
-              </a:spcBef>
-              <a:spcAft>
-                <a:spcPts val="0"/>
-              </a:spcAft>
-              <a:buClr>
-                <a:schemeClr val="dk1"/>
-              </a:buClr>
-              <a:buSzPts val="5200"/>
-              <a:buFont typeface="Arial"/>
-              <a:buNone/>
-              <a:defRPr sz="5200" b="0" i="0" u="none" strike="noStrike" cap="none">
-                <a:solidFill>
-                  <a:schemeClr val="dk1"/>
-                </a:solidFill>
-                <a:latin typeface="Arial"/>
-                <a:ea typeface="Arial"/>
-                <a:cs typeface="Arial"/>
-                <a:sym typeface="Arial"/>
-              </a:defRPr>
-            </a:lvl1pPr>
-            <a:lvl2pPr marR="0" lvl="1" algn="ctr" rtl="0">
-              <a:lnSpc>
-                <a:spcPct val="100000"/>
-              </a:lnSpc>
-              <a:spcBef>
-                <a:spcPts val="0"/>
-              </a:spcBef>
-              <a:spcAft>
-                <a:spcPts val="0"/>
-              </a:spcAft>
-              <a:buClr>
-                <a:schemeClr val="dk1"/>
-              </a:buClr>
-              <a:buSzPts val="5200"/>
-              <a:buFont typeface="Arial"/>
-              <a:buNone/>
-              <a:defRPr sz="5200" b="0" i="0" u="none" strike="noStrike" cap="none">
-                <a:solidFill>
-                  <a:schemeClr val="dk1"/>
-                </a:solidFill>
-                <a:latin typeface="Arial"/>
-                <a:ea typeface="Arial"/>
-                <a:cs typeface="Arial"/>
-                <a:sym typeface="Arial"/>
-              </a:defRPr>
-            </a:lvl2pPr>
-            <a:lvl3pPr marR="0" lvl="2" algn="ctr" rtl="0">
-              <a:lnSpc>
-                <a:spcPct val="100000"/>
-              </a:lnSpc>
-              <a:spcBef>
-                <a:spcPts val="0"/>
-              </a:spcBef>
-              <a:spcAft>
-                <a:spcPts val="0"/>
-              </a:spcAft>
-              <a:buClr>
-                <a:schemeClr val="dk1"/>
-              </a:buClr>
-              <a:buSzPts val="5200"/>
-              <a:buFont typeface="Arial"/>
-              <a:buNone/>
-              <a:defRPr sz="5200" b="0" i="0" u="none" strike="noStrike" cap="none">
-                <a:solidFill>
-                  <a:schemeClr val="dk1"/>
-                </a:solidFill>
-                <a:latin typeface="Arial"/>
-                <a:ea typeface="Arial"/>
-                <a:cs typeface="Arial"/>
-                <a:sym typeface="Arial"/>
-              </a:defRPr>
-            </a:lvl3pPr>
-            <a:lvl4pPr marR="0" lvl="3" algn="ctr" rtl="0">
-              <a:lnSpc>
-                <a:spcPct val="100000"/>
-              </a:lnSpc>
-              <a:spcBef>
-                <a:spcPts val="0"/>
-              </a:spcBef>
-              <a:spcAft>
-                <a:spcPts val="0"/>
-              </a:spcAft>
-              <a:buClr>
-                <a:schemeClr val="dk1"/>
-              </a:buClr>
-              <a:buSzPts val="5200"/>
-              <a:buFont typeface="Arial"/>
-              <a:buNone/>
-              <a:defRPr sz="5200" b="0" i="0" u="none" strike="noStrike" cap="none">
-                <a:solidFill>
-                  <a:schemeClr val="dk1"/>
-                </a:solidFill>
-                <a:latin typeface="Arial"/>
-                <a:ea typeface="Arial"/>
-                <a:cs typeface="Arial"/>
-                <a:sym typeface="Arial"/>
-              </a:defRPr>
-            </a:lvl4pPr>
-            <a:lvl5pPr marR="0" lvl="4" algn="ctr" rtl="0">
-              <a:lnSpc>
-                <a:spcPct val="100000"/>
-              </a:lnSpc>
-              <a:spcBef>
-                <a:spcPts val="0"/>
-              </a:spcBef>
-              <a:spcAft>
-                <a:spcPts val="0"/>
-              </a:spcAft>
-              <a:buClr>
-                <a:schemeClr val="dk1"/>
-              </a:buClr>
-              <a:buSzPts val="5200"/>
-              <a:buFont typeface="Arial"/>
-              <a:buNone/>
-              <a:defRPr sz="5200" b="0" i="0" u="none" strike="noStrike" cap="none">
-                <a:solidFill>
-                  <a:schemeClr val="dk1"/>
-                </a:solidFill>
-                <a:latin typeface="Arial"/>
-                <a:ea typeface="Arial"/>
-                <a:cs typeface="Arial"/>
-                <a:sym typeface="Arial"/>
-              </a:defRPr>
-            </a:lvl5pPr>
-            <a:lvl6pPr marR="0" lvl="5" algn="ctr" rtl="0">
-              <a:lnSpc>
-                <a:spcPct val="100000"/>
-              </a:lnSpc>
-              <a:spcBef>
-                <a:spcPts val="0"/>
-              </a:spcBef>
-              <a:spcAft>
-                <a:spcPts val="0"/>
-              </a:spcAft>
-              <a:buClr>
-                <a:schemeClr val="dk1"/>
-              </a:buClr>
-              <a:buSzPts val="5200"/>
-              <a:buFont typeface="Arial"/>
-              <a:buNone/>
-              <a:defRPr sz="5200" b="0" i="0" u="none" strike="noStrike" cap="none">
-                <a:solidFill>
-                  <a:schemeClr val="dk1"/>
-                </a:solidFill>
-                <a:latin typeface="Arial"/>
-                <a:ea typeface="Arial"/>
-                <a:cs typeface="Arial"/>
-                <a:sym typeface="Arial"/>
-              </a:defRPr>
-            </a:lvl6pPr>
-            <a:lvl7pPr marR="0" lvl="6" algn="ctr" rtl="0">
-              <a:lnSpc>
-                <a:spcPct val="100000"/>
-              </a:lnSpc>
-              <a:spcBef>
-                <a:spcPts val="0"/>
-              </a:spcBef>
-              <a:spcAft>
-                <a:spcPts val="0"/>
-              </a:spcAft>
-              <a:buClr>
-                <a:schemeClr val="dk1"/>
-              </a:buClr>
-              <a:buSzPts val="5200"/>
-              <a:buFont typeface="Arial"/>
-              <a:buNone/>
-              <a:defRPr sz="5200" b="0" i="0" u="none" strike="noStrike" cap="none">
-                <a:solidFill>
-                  <a:schemeClr val="dk1"/>
-                </a:solidFill>
-                <a:latin typeface="Arial"/>
-                <a:ea typeface="Arial"/>
-                <a:cs typeface="Arial"/>
-                <a:sym typeface="Arial"/>
-              </a:defRPr>
-            </a:lvl7pPr>
-            <a:lvl8pPr marR="0" lvl="7" algn="ctr" rtl="0">
-              <a:lnSpc>
-                <a:spcPct val="100000"/>
-              </a:lnSpc>
-              <a:spcBef>
-                <a:spcPts val="0"/>
-              </a:spcBef>
-              <a:spcAft>
-                <a:spcPts val="0"/>
-              </a:spcAft>
-              <a:buClr>
-                <a:schemeClr val="dk1"/>
-              </a:buClr>
-              <a:buSzPts val="5200"/>
-              <a:buFont typeface="Arial"/>
-              <a:buNone/>
-              <a:defRPr sz="5200" b="0" i="0" u="none" strike="noStrike" cap="none">
-                <a:solidFill>
-                  <a:schemeClr val="dk1"/>
-                </a:solidFill>
-                <a:latin typeface="Arial"/>
-                <a:ea typeface="Arial"/>
-                <a:cs typeface="Arial"/>
-                <a:sym typeface="Arial"/>
-              </a:defRPr>
-            </a:lvl8pPr>
-            <a:lvl9pPr marR="0" lvl="8" algn="ctr" rtl="0">
-              <a:lnSpc>
-                <a:spcPct val="100000"/>
-              </a:lnSpc>
-              <a:spcBef>
-                <a:spcPts val="0"/>
-              </a:spcBef>
-              <a:spcAft>
-                <a:spcPts val="0"/>
-              </a:spcAft>
-              <a:buClr>
-                <a:schemeClr val="dk1"/>
-              </a:buClr>
-              <a:buSzPts val="5200"/>
-              <a:buFont typeface="Arial"/>
-              <a:buNone/>
-              <a:defRPr sz="5200" b="0" i="0" u="none" strike="noStrike" cap="none">
-                <a:solidFill>
-                  <a:schemeClr val="dk1"/>
-                </a:solidFill>
-                <a:latin typeface="Arial"/>
-                <a:ea typeface="Arial"/>
-                <a:cs typeface="Arial"/>
-                <a:sym typeface="Arial"/>
-              </a:defRPr>
-            </a:lvl9pPr>
-          </a:lstStyle>
+          <a:lstStyle/>
           <a:p>
-            <a:pPr algn="l"/>
             <a:r>
-              <a:rPr lang="tr-TR" sz="2400" dirty="0">
+              <a:rPr lang="en-US" dirty="0">
                 <a:latin typeface="Poppins" panose="00000500000000000000" pitchFamily="2" charset="-94"/>
                 <a:cs typeface="Poppins" panose="00000500000000000000" pitchFamily="2" charset="-94"/>
               </a:rPr>
-              <a:t>.</a:t>
+              <a:t>2007, Computer Engineering</a:t>
             </a:r>
-            <a:endParaRPr lang="en-US" sz="2400" dirty="0">
+          </a:p>
+        </p:txBody>
+      </p:sp>
+      <p:sp>
+        <p:nvSpPr>
+          <p:cNvPr id="22" name="TextBox 21">
+            <a:extLst>
+              <a:ext uri="{FF2B5EF4-FFF2-40B4-BE49-F238E27FC236}">
+                <a16:creationId xmlns:a16="http://schemas.microsoft.com/office/drawing/2014/main" id="{F5A2A719-33B7-A546-1FBF-98D73C73DDE0}"/>
+              </a:ext>
+            </a:extLst>
+          </p:cNvPr>
+          <p:cNvSpPr txBox="1"/>
+          <p:nvPr/>
+        </p:nvSpPr>
+        <p:spPr>
+          <a:xfrm>
+            <a:off x="649463" y="1939652"/>
+            <a:ext cx="6208635" cy="307777"/>
+          </a:xfrm>
+          <a:prstGeom prst="rect">
+            <a:avLst/>
+          </a:prstGeom>
+          <a:noFill/>
+        </p:spPr>
+        <p:txBody>
+          <a:bodyPr wrap="square" rtlCol="0">
+            <a:spAutoFit/>
+          </a:bodyPr>
+          <a:lstStyle/>
+          <a:p>
+            <a:r>
+              <a:rPr lang="en-US" dirty="0">
+                <a:latin typeface="Poppins" panose="00000500000000000000" pitchFamily="2" charset="-94"/>
+                <a:cs typeface="Poppins" panose="00000500000000000000" pitchFamily="2" charset="-94"/>
+              </a:rPr>
+              <a:t>2007 - 2015: Software developer, software architect, team leader</a:t>
+            </a:r>
+          </a:p>
+        </p:txBody>
+      </p:sp>
+      <p:sp>
+        <p:nvSpPr>
+          <p:cNvPr id="23" name="TextBox 22">
+            <a:extLst>
+              <a:ext uri="{FF2B5EF4-FFF2-40B4-BE49-F238E27FC236}">
+                <a16:creationId xmlns:a16="http://schemas.microsoft.com/office/drawing/2014/main" id="{6392FA30-C523-5507-A158-505D3DE705D9}"/>
+              </a:ext>
+            </a:extLst>
+          </p:cNvPr>
+          <p:cNvSpPr txBox="1"/>
+          <p:nvPr/>
+        </p:nvSpPr>
+        <p:spPr>
+          <a:xfrm>
+            <a:off x="1812246" y="2938598"/>
+            <a:ext cx="5045851" cy="307777"/>
+          </a:xfrm>
+          <a:prstGeom prst="rect">
+            <a:avLst/>
+          </a:prstGeom>
+          <a:noFill/>
+        </p:spPr>
+        <p:txBody>
+          <a:bodyPr wrap="square" rtlCol="0">
+            <a:spAutoFit/>
+          </a:bodyPr>
+          <a:lstStyle/>
+          <a:p>
+            <a:r>
+              <a:rPr lang="en-US" dirty="0">
+                <a:latin typeface="Poppins" panose="00000500000000000000" pitchFamily="2" charset="-94"/>
+                <a:cs typeface="Poppins" panose="00000500000000000000" pitchFamily="2" charset="-94"/>
+              </a:rPr>
+              <a:t>2016 - ∞: Co-founder, software architect</a:t>
+            </a:r>
+          </a:p>
+        </p:txBody>
+      </p:sp>
+      <p:sp>
+        <p:nvSpPr>
+          <p:cNvPr id="24" name="TextBox 23">
+            <a:extLst>
+              <a:ext uri="{FF2B5EF4-FFF2-40B4-BE49-F238E27FC236}">
+                <a16:creationId xmlns:a16="http://schemas.microsoft.com/office/drawing/2014/main" id="{0FC2578C-1455-F74C-29D9-7469AF7D710C}"/>
+              </a:ext>
+            </a:extLst>
+          </p:cNvPr>
+          <p:cNvSpPr txBox="1"/>
+          <p:nvPr/>
+        </p:nvSpPr>
+        <p:spPr>
+          <a:xfrm>
+            <a:off x="1344274" y="2450386"/>
+            <a:ext cx="5513824" cy="307777"/>
+          </a:xfrm>
+          <a:prstGeom prst="rect">
+            <a:avLst/>
+          </a:prstGeom>
+          <a:noFill/>
+        </p:spPr>
+        <p:txBody>
+          <a:bodyPr wrap="square" rtlCol="0">
+            <a:spAutoFit/>
+          </a:bodyPr>
+          <a:lstStyle/>
+          <a:p>
+            <a:r>
+              <a:rPr lang="en-US" dirty="0">
+                <a:latin typeface="Poppins" panose="00000500000000000000" pitchFamily="2" charset="-94"/>
+                <a:cs typeface="Poppins" panose="00000500000000000000" pitchFamily="2" charset="-94"/>
+              </a:rPr>
+              <a:t>2013 - ∞: Lead developer of the open source ABP Framework</a:t>
+            </a:r>
+          </a:p>
+        </p:txBody>
+      </p:sp>
+      <p:pic>
+        <p:nvPicPr>
+          <p:cNvPr id="25" name="Picture 24">
+            <a:extLst>
+              <a:ext uri="{FF2B5EF4-FFF2-40B4-BE49-F238E27FC236}">
+                <a16:creationId xmlns:a16="http://schemas.microsoft.com/office/drawing/2014/main" id="{EEEDF950-905C-7EB3-C67B-4B2AFF8C8262}"/>
+              </a:ext>
+            </a:extLst>
+          </p:cNvPr>
+          <p:cNvPicPr>
+            <a:picLocks noChangeAspect="1"/>
+          </p:cNvPicPr>
+          <p:nvPr/>
+        </p:nvPicPr>
+        <p:blipFill>
+          <a:blip r:embed="rId10">
+            <a:extLst>
+              <a:ext uri="{28A0092B-C50C-407E-A947-70E740481C1C}">
+                <a14:useLocalDpi xmlns:a14="http://schemas.microsoft.com/office/drawing/2010/main" val="0"/>
+              </a:ext>
+            </a:extLst>
+          </a:blip>
+          <a:stretch>
+            <a:fillRect/>
+          </a:stretch>
+        </p:blipFill>
+        <p:spPr>
+          <a:xfrm>
+            <a:off x="188811" y="3397663"/>
+            <a:ext cx="357338" cy="357338"/>
+          </a:xfrm>
+          <a:prstGeom prst="rect">
+            <a:avLst/>
+          </a:prstGeom>
+        </p:spPr>
+      </p:pic>
+      <p:sp>
+        <p:nvSpPr>
+          <p:cNvPr id="26" name="TextBox 25">
+            <a:extLst>
+              <a:ext uri="{FF2B5EF4-FFF2-40B4-BE49-F238E27FC236}">
+                <a16:creationId xmlns:a16="http://schemas.microsoft.com/office/drawing/2014/main" id="{7755F450-3C56-2590-D414-50620F2A1BDA}"/>
+              </a:ext>
+            </a:extLst>
+          </p:cNvPr>
+          <p:cNvSpPr txBox="1"/>
+          <p:nvPr/>
+        </p:nvSpPr>
+        <p:spPr>
+          <a:xfrm>
+            <a:off x="546149" y="3359465"/>
+            <a:ext cx="6311948" cy="523220"/>
+          </a:xfrm>
+          <a:prstGeom prst="rect">
+            <a:avLst/>
+          </a:prstGeom>
+          <a:noFill/>
+        </p:spPr>
+        <p:txBody>
+          <a:bodyPr wrap="square" rtlCol="0">
+            <a:spAutoFit/>
+          </a:bodyPr>
+          <a:lstStyle/>
+          <a:p>
+            <a:r>
+              <a:rPr lang="en-US" dirty="0">
+                <a:latin typeface="Poppins" panose="00000500000000000000" pitchFamily="2" charset="-94"/>
+                <a:cs typeface="Poppins" panose="00000500000000000000" pitchFamily="2" charset="-94"/>
+              </a:rPr>
+              <a:t>Multi-threading, distributed</a:t>
+            </a:r>
+            <a:r>
+              <a:rPr lang="tr-TR" dirty="0">
+                <a:latin typeface="Poppins" panose="00000500000000000000" pitchFamily="2" charset="-94"/>
+                <a:cs typeface="Poppins" panose="00000500000000000000" pitchFamily="2" charset="-94"/>
+              </a:rPr>
+              <a:t>/microservice</a:t>
+            </a:r>
+            <a:r>
+              <a:rPr lang="en-US" dirty="0">
+                <a:latin typeface="Poppins" panose="00000500000000000000" pitchFamily="2" charset="-94"/>
+                <a:cs typeface="Poppins" panose="00000500000000000000" pitchFamily="2" charset="-94"/>
+              </a:rPr>
+              <a:t> systems, OOP, DDD, software architectures.. etc.</a:t>
+            </a:r>
+          </a:p>
+        </p:txBody>
+      </p:sp>
+      <p:pic>
+        <p:nvPicPr>
+          <p:cNvPr id="27" name="Picture 26" descr="Shape&#10;&#10;Description automatically generated with low confidence">
+            <a:extLst>
+              <a:ext uri="{FF2B5EF4-FFF2-40B4-BE49-F238E27FC236}">
+                <a16:creationId xmlns:a16="http://schemas.microsoft.com/office/drawing/2014/main" id="{10040466-EAB2-CD17-90E9-804EAE524E89}"/>
+              </a:ext>
+            </a:extLst>
+          </p:cNvPr>
+          <p:cNvPicPr>
+            <a:picLocks noChangeAspect="1"/>
+          </p:cNvPicPr>
+          <p:nvPr/>
+        </p:nvPicPr>
+        <p:blipFill>
+          <a:blip r:embed="rId11">
+            <a:extLst>
+              <a:ext uri="{28A0092B-C50C-407E-A947-70E740481C1C}">
+                <a14:useLocalDpi xmlns:a14="http://schemas.microsoft.com/office/drawing/2010/main" val="0"/>
+              </a:ext>
+            </a:extLst>
+          </a:blip>
+          <a:stretch>
+            <a:fillRect/>
+          </a:stretch>
+        </p:blipFill>
+        <p:spPr>
+          <a:xfrm>
+            <a:off x="188811" y="3970443"/>
+            <a:ext cx="357338" cy="357338"/>
+          </a:xfrm>
+          <a:prstGeom prst="rect">
+            <a:avLst/>
+          </a:prstGeom>
+        </p:spPr>
+      </p:pic>
+      <p:sp>
+        <p:nvSpPr>
+          <p:cNvPr id="28" name="TextBox 27">
+            <a:extLst>
+              <a:ext uri="{FF2B5EF4-FFF2-40B4-BE49-F238E27FC236}">
+                <a16:creationId xmlns:a16="http://schemas.microsoft.com/office/drawing/2014/main" id="{96D9FBF6-25FD-30D7-CED6-507902BCAAC5}"/>
+              </a:ext>
+            </a:extLst>
+          </p:cNvPr>
+          <p:cNvSpPr txBox="1"/>
+          <p:nvPr/>
+        </p:nvSpPr>
+        <p:spPr>
+          <a:xfrm>
+            <a:off x="546149" y="4007216"/>
+            <a:ext cx="6311948" cy="523220"/>
+          </a:xfrm>
+          <a:prstGeom prst="rect">
+            <a:avLst/>
+          </a:prstGeom>
+          <a:noFill/>
+        </p:spPr>
+        <p:txBody>
+          <a:bodyPr wrap="square" rtlCol="0">
+            <a:spAutoFit/>
+          </a:bodyPr>
+          <a:lstStyle/>
+          <a:p>
+            <a:r>
+              <a:rPr lang="tr-TR" dirty="0">
+                <a:latin typeface="Poppins" panose="00000500000000000000" pitchFamily="2" charset="-94"/>
+                <a:cs typeface="Poppins" panose="00000500000000000000" pitchFamily="2" charset="-94"/>
+              </a:rPr>
+              <a:t>A</a:t>
+            </a:r>
+            <a:r>
+              <a:rPr lang="en-US" dirty="0" err="1">
+                <a:latin typeface="Poppins" panose="00000500000000000000" pitchFamily="2" charset="-94"/>
+                <a:cs typeface="Poppins" panose="00000500000000000000" pitchFamily="2" charset="-94"/>
+              </a:rPr>
+              <a:t>ctive</a:t>
+            </a:r>
+            <a:r>
+              <a:rPr lang="en-US" dirty="0">
+                <a:latin typeface="Poppins" panose="00000500000000000000" pitchFamily="2" charset="-94"/>
+                <a:cs typeface="Poppins" panose="00000500000000000000" pitchFamily="2" charset="-94"/>
+              </a:rPr>
+              <a:t> coder, open</a:t>
+            </a:r>
+            <a:r>
+              <a:rPr lang="tr-TR" dirty="0">
+                <a:latin typeface="Poppins" panose="00000500000000000000" pitchFamily="2" charset="-94"/>
+                <a:cs typeface="Poppins" panose="00000500000000000000" pitchFamily="2" charset="-94"/>
+              </a:rPr>
+              <a:t>-</a:t>
+            </a:r>
+            <a:r>
+              <a:rPr lang="en-US" dirty="0">
+                <a:latin typeface="Poppins" panose="00000500000000000000" pitchFamily="2" charset="-94"/>
+                <a:cs typeface="Poppins" panose="00000500000000000000" pitchFamily="2" charset="-94"/>
+              </a:rPr>
+              <a:t>source</a:t>
+            </a:r>
+            <a:r>
+              <a:rPr lang="tr-TR" dirty="0">
+                <a:latin typeface="Poppins" panose="00000500000000000000" pitchFamily="2" charset="-94"/>
+                <a:cs typeface="Poppins" panose="00000500000000000000" pitchFamily="2" charset="-94"/>
+              </a:rPr>
+              <a:t> contributor</a:t>
+            </a:r>
+          </a:p>
+          <a:p>
+            <a:r>
+              <a:rPr lang="tr-TR" b="1" i="1" dirty="0">
+                <a:latin typeface="Poppins" panose="00000500000000000000" pitchFamily="2" charset="-94"/>
+                <a:cs typeface="Poppins" panose="00000500000000000000" pitchFamily="2" charset="-94"/>
+              </a:rPr>
+              <a:t>30,000+ total contributions on GitHub</a:t>
+            </a:r>
+            <a:endParaRPr lang="en-US" b="1" i="1" dirty="0">
               <a:latin typeface="Poppins" panose="00000500000000000000" pitchFamily="2" charset="-94"/>
               <a:cs typeface="Poppins" panose="00000500000000000000" pitchFamily="2" charset="-94"/>
             </a:endParaRPr>
           </a:p>
         </p:txBody>
       </p:sp>
+      <p:sp>
+        <p:nvSpPr>
+          <p:cNvPr id="30" name="TextBox 29">
+            <a:extLst>
+              <a:ext uri="{FF2B5EF4-FFF2-40B4-BE49-F238E27FC236}">
+                <a16:creationId xmlns:a16="http://schemas.microsoft.com/office/drawing/2014/main" id="{C3B30FE9-5C56-2AD1-4F49-C2BAD61FD143}"/>
+              </a:ext>
+            </a:extLst>
+          </p:cNvPr>
+          <p:cNvSpPr txBox="1"/>
+          <p:nvPr/>
+        </p:nvSpPr>
+        <p:spPr>
+          <a:xfrm>
+            <a:off x="663186" y="1088455"/>
+            <a:ext cx="6208635" cy="307777"/>
+          </a:xfrm>
+          <a:prstGeom prst="rect">
+            <a:avLst/>
+          </a:prstGeom>
+          <a:noFill/>
+        </p:spPr>
+        <p:txBody>
+          <a:bodyPr wrap="square" rtlCol="0">
+            <a:spAutoFit/>
+          </a:bodyPr>
+          <a:lstStyle/>
+          <a:p>
+            <a:r>
+              <a:rPr lang="tr-TR" dirty="0">
+                <a:latin typeface="Poppins" panose="00000500000000000000" pitchFamily="2" charset="-94"/>
+                <a:cs typeface="Poppins" panose="00000500000000000000" pitchFamily="2" charset="-94"/>
+              </a:rPr>
+              <a:t>1997</a:t>
+            </a:r>
+            <a:r>
+              <a:rPr lang="en-US" dirty="0">
+                <a:latin typeface="Poppins" panose="00000500000000000000" pitchFamily="2" charset="-94"/>
+                <a:cs typeface="Poppins" panose="00000500000000000000" pitchFamily="2" charset="-94"/>
+              </a:rPr>
+              <a:t>, </a:t>
+            </a:r>
+            <a:r>
+              <a:rPr lang="tr-TR" dirty="0">
+                <a:latin typeface="Poppins" panose="00000500000000000000" pitchFamily="2" charset="-94"/>
+                <a:cs typeface="Poppins" panose="00000500000000000000" pitchFamily="2" charset="-94"/>
+              </a:rPr>
+              <a:t>Started programming (at 13 with Pascal)</a:t>
+            </a:r>
+            <a:endParaRPr lang="en-US" dirty="0">
+              <a:latin typeface="Poppins" panose="00000500000000000000" pitchFamily="2" charset="-94"/>
+              <a:cs typeface="Poppins" panose="00000500000000000000" pitchFamily="2" charset="-94"/>
+            </a:endParaRPr>
+          </a:p>
+        </p:txBody>
+      </p:sp>
+      <p:pic>
+        <p:nvPicPr>
+          <p:cNvPr id="2052" name="Picture 4" descr="Div Coding icon PNG and SVG Vector Free Download">
+            <a:extLst>
+              <a:ext uri="{FF2B5EF4-FFF2-40B4-BE49-F238E27FC236}">
+                <a16:creationId xmlns:a16="http://schemas.microsoft.com/office/drawing/2014/main" id="{D5A529AE-B75E-2405-202C-D0B96CFFC7C6}"/>
+              </a:ext>
+            </a:extLst>
+          </p:cNvPr>
+          <p:cNvPicPr>
+            <a:picLocks noChangeAspect="1" noChangeArrowheads="1"/>
+          </p:cNvPicPr>
+          <p:nvPr/>
+        </p:nvPicPr>
+        <p:blipFill>
+          <a:blip r:embed="rId12">
+            <a:extLst>
+              <a:ext uri="{28A0092B-C50C-407E-A947-70E740481C1C}">
+                <a14:useLocalDpi xmlns:a14="http://schemas.microsoft.com/office/drawing/2010/main" val="0"/>
+              </a:ext>
+            </a:extLst>
+          </a:blip>
+          <a:srcRect/>
+          <a:stretch>
+            <a:fillRect/>
+          </a:stretch>
+        </p:blipFill>
+        <p:spPr bwMode="auto">
+          <a:xfrm>
+            <a:off x="186105" y="1047750"/>
+            <a:ext cx="388310" cy="388310"/>
+          </a:xfrm>
+          <a:prstGeom prst="rect">
+            <a:avLst/>
+          </a:prstGeom>
+          <a:noFill/>
+          <a:extLst>
+            <a:ext uri="{909E8E84-426E-40DD-AFC4-6F175D3DCCD1}">
+              <a14:hiddenFill xmlns:a14="http://schemas.microsoft.com/office/drawing/2010/main">
+                <a:solidFill>
+                  <a:srgbClr val="FFFFFF"/>
+                </a:solidFill>
+              </a14:hiddenFill>
+            </a:ext>
+          </a:extLst>
+        </p:spPr>
+      </p:pic>
     </p:spTree>
     <p:extLst>
       <p:ext uri="{BB962C8B-B14F-4D97-AF65-F5344CB8AC3E}">
@@ -24425,6 +24782,696 @@
   <p:clrMapOvr>
     <a:masterClrMapping/>
   </p:clrMapOvr>
+  <p:timing>
+    <p:tnLst>
+      <p:par>
+        <p:cTn id="1" dur="indefinite" restart="never" nodeType="tmRoot">
+          <p:childTnLst>
+            <p:seq concurrent="1" nextAc="seek">
+              <p:cTn id="2" dur="indefinite" nodeType="mainSeq">
+                <p:childTnLst>
+                  <p:par>
+                    <p:cTn id="3" fill="hold">
+                      <p:stCondLst>
+                        <p:cond delay="indefinite"/>
+                      </p:stCondLst>
+                      <p:childTnLst>
+                        <p:par>
+                          <p:cTn id="4" fill="hold">
+                            <p:stCondLst>
+                              <p:cond delay="0"/>
+                            </p:stCondLst>
+                            <p:childTnLst>
+                              <p:par>
+                                <p:cTn id="5" presetID="10" presetClass="entr" presetSubtype="0" fill="hold" nodeType="clickEffect">
+                                  <p:stCondLst>
+                                    <p:cond delay="0"/>
+                                  </p:stCondLst>
+                                  <p:childTnLst>
+                                    <p:set>
+                                      <p:cBhvr>
+                                        <p:cTn id="6" dur="1" fill="hold">
+                                          <p:stCondLst>
+                                            <p:cond delay="0"/>
+                                          </p:stCondLst>
+                                        </p:cTn>
+                                        <p:tgtEl>
+                                          <p:spTgt spid="2052"/>
+                                        </p:tgtEl>
+                                        <p:attrNameLst>
+                                          <p:attrName>style.visibility</p:attrName>
+                                        </p:attrNameLst>
+                                      </p:cBhvr>
+                                      <p:to>
+                                        <p:strVal val="visible"/>
+                                      </p:to>
+                                    </p:set>
+                                    <p:animEffect transition="in" filter="fade">
+                                      <p:cBhvr>
+                                        <p:cTn id="7" dur="500"/>
+                                        <p:tgtEl>
+                                          <p:spTgt spid="2052"/>
+                                        </p:tgtEl>
+                                      </p:cBhvr>
+                                    </p:animEffect>
+                                  </p:childTnLst>
+                                </p:cTn>
+                              </p:par>
+                              <p:par>
+                                <p:cTn id="8" presetID="10" presetClass="entr" presetSubtype="0" fill="hold" grpId="0" nodeType="withEffect">
+                                  <p:stCondLst>
+                                    <p:cond delay="0"/>
+                                  </p:stCondLst>
+                                  <p:childTnLst>
+                                    <p:set>
+                                      <p:cBhvr>
+                                        <p:cTn id="9" dur="1" fill="hold">
+                                          <p:stCondLst>
+                                            <p:cond delay="0"/>
+                                          </p:stCondLst>
+                                        </p:cTn>
+                                        <p:tgtEl>
+                                          <p:spTgt spid="30"/>
+                                        </p:tgtEl>
+                                        <p:attrNameLst>
+                                          <p:attrName>style.visibility</p:attrName>
+                                        </p:attrNameLst>
+                                      </p:cBhvr>
+                                      <p:to>
+                                        <p:strVal val="visible"/>
+                                      </p:to>
+                                    </p:set>
+                                    <p:animEffect transition="in" filter="fade">
+                                      <p:cBhvr>
+                                        <p:cTn id="10" dur="500"/>
+                                        <p:tgtEl>
+                                          <p:spTgt spid="30"/>
+                                        </p:tgtEl>
+                                      </p:cBhvr>
+                                    </p:animEffect>
+                                  </p:childTnLst>
+                                </p:cTn>
+                              </p:par>
+                            </p:childTnLst>
+                          </p:cTn>
+                        </p:par>
+                      </p:childTnLst>
+                    </p:cTn>
+                  </p:par>
+                  <p:par>
+                    <p:cTn id="11" fill="hold">
+                      <p:stCondLst>
+                        <p:cond delay="indefinite"/>
+                      </p:stCondLst>
+                      <p:childTnLst>
+                        <p:par>
+                          <p:cTn id="12" fill="hold">
+                            <p:stCondLst>
+                              <p:cond delay="0"/>
+                            </p:stCondLst>
+                            <p:childTnLst>
+                              <p:par>
+                                <p:cTn id="13" presetID="10" presetClass="entr" presetSubtype="0" fill="hold" nodeType="clickEffect">
+                                  <p:stCondLst>
+                                    <p:cond delay="0"/>
+                                  </p:stCondLst>
+                                  <p:childTnLst>
+                                    <p:set>
+                                      <p:cBhvr>
+                                        <p:cTn id="14" dur="1" fill="hold">
+                                          <p:stCondLst>
+                                            <p:cond delay="0"/>
+                                          </p:stCondLst>
+                                        </p:cTn>
+                                        <p:tgtEl>
+                                          <p:spTgt spid="19"/>
+                                        </p:tgtEl>
+                                        <p:attrNameLst>
+                                          <p:attrName>style.visibility</p:attrName>
+                                        </p:attrNameLst>
+                                      </p:cBhvr>
+                                      <p:to>
+                                        <p:strVal val="visible"/>
+                                      </p:to>
+                                    </p:set>
+                                    <p:animEffect transition="in" filter="fade">
+                                      <p:cBhvr>
+                                        <p:cTn id="15" dur="500"/>
+                                        <p:tgtEl>
+                                          <p:spTgt spid="19"/>
+                                        </p:tgtEl>
+                                      </p:cBhvr>
+                                    </p:animEffect>
+                                  </p:childTnLst>
+                                </p:cTn>
+                              </p:par>
+                              <p:par>
+                                <p:cTn id="16" presetID="10" presetClass="entr" presetSubtype="0" fill="hold" grpId="0" nodeType="withEffect">
+                                  <p:stCondLst>
+                                    <p:cond delay="0"/>
+                                  </p:stCondLst>
+                                  <p:childTnLst>
+                                    <p:set>
+                                      <p:cBhvr>
+                                        <p:cTn id="17" dur="1" fill="hold">
+                                          <p:stCondLst>
+                                            <p:cond delay="0"/>
+                                          </p:stCondLst>
+                                        </p:cTn>
+                                        <p:tgtEl>
+                                          <p:spTgt spid="21"/>
+                                        </p:tgtEl>
+                                        <p:attrNameLst>
+                                          <p:attrName>style.visibility</p:attrName>
+                                        </p:attrNameLst>
+                                      </p:cBhvr>
+                                      <p:to>
+                                        <p:strVal val="visible"/>
+                                      </p:to>
+                                    </p:set>
+                                    <p:animEffect transition="in" filter="fade">
+                                      <p:cBhvr>
+                                        <p:cTn id="18" dur="500"/>
+                                        <p:tgtEl>
+                                          <p:spTgt spid="21"/>
+                                        </p:tgtEl>
+                                      </p:cBhvr>
+                                    </p:animEffect>
+                                  </p:childTnLst>
+                                </p:cTn>
+                              </p:par>
+                            </p:childTnLst>
+                          </p:cTn>
+                        </p:par>
+                      </p:childTnLst>
+                    </p:cTn>
+                  </p:par>
+                  <p:par>
+                    <p:cTn id="19" fill="hold">
+                      <p:stCondLst>
+                        <p:cond delay="indefinite"/>
+                      </p:stCondLst>
+                      <p:childTnLst>
+                        <p:par>
+                          <p:cTn id="20" fill="hold">
+                            <p:stCondLst>
+                              <p:cond delay="0"/>
+                            </p:stCondLst>
+                            <p:childTnLst>
+                              <p:par>
+                                <p:cTn id="21" presetID="10" presetClass="entr" presetSubtype="0" fill="hold" nodeType="clickEffect">
+                                  <p:stCondLst>
+                                    <p:cond delay="0"/>
+                                  </p:stCondLst>
+                                  <p:childTnLst>
+                                    <p:set>
+                                      <p:cBhvr>
+                                        <p:cTn id="22" dur="1" fill="hold">
+                                          <p:stCondLst>
+                                            <p:cond delay="0"/>
+                                          </p:stCondLst>
+                                        </p:cTn>
+                                        <p:tgtEl>
+                                          <p:spTgt spid="20"/>
+                                        </p:tgtEl>
+                                        <p:attrNameLst>
+                                          <p:attrName>style.visibility</p:attrName>
+                                        </p:attrNameLst>
+                                      </p:cBhvr>
+                                      <p:to>
+                                        <p:strVal val="visible"/>
+                                      </p:to>
+                                    </p:set>
+                                    <p:animEffect transition="in" filter="fade">
+                                      <p:cBhvr>
+                                        <p:cTn id="23" dur="500"/>
+                                        <p:tgtEl>
+                                          <p:spTgt spid="20"/>
+                                        </p:tgtEl>
+                                      </p:cBhvr>
+                                    </p:animEffect>
+                                  </p:childTnLst>
+                                </p:cTn>
+                              </p:par>
+                              <p:par>
+                                <p:cTn id="24" presetID="10" presetClass="entr" presetSubtype="0" fill="hold" grpId="0" nodeType="withEffect">
+                                  <p:stCondLst>
+                                    <p:cond delay="0"/>
+                                  </p:stCondLst>
+                                  <p:childTnLst>
+                                    <p:set>
+                                      <p:cBhvr>
+                                        <p:cTn id="25" dur="1" fill="hold">
+                                          <p:stCondLst>
+                                            <p:cond delay="0"/>
+                                          </p:stCondLst>
+                                        </p:cTn>
+                                        <p:tgtEl>
+                                          <p:spTgt spid="22"/>
+                                        </p:tgtEl>
+                                        <p:attrNameLst>
+                                          <p:attrName>style.visibility</p:attrName>
+                                        </p:attrNameLst>
+                                      </p:cBhvr>
+                                      <p:to>
+                                        <p:strVal val="visible"/>
+                                      </p:to>
+                                    </p:set>
+                                    <p:animEffect transition="in" filter="fade">
+                                      <p:cBhvr>
+                                        <p:cTn id="26" dur="500"/>
+                                        <p:tgtEl>
+                                          <p:spTgt spid="22"/>
+                                        </p:tgtEl>
+                                      </p:cBhvr>
+                                    </p:animEffect>
+                                  </p:childTnLst>
+                                </p:cTn>
+                              </p:par>
+                            </p:childTnLst>
+                          </p:cTn>
+                        </p:par>
+                      </p:childTnLst>
+                    </p:cTn>
+                  </p:par>
+                  <p:par>
+                    <p:cTn id="27" fill="hold">
+                      <p:stCondLst>
+                        <p:cond delay="indefinite"/>
+                      </p:stCondLst>
+                      <p:childTnLst>
+                        <p:par>
+                          <p:cTn id="28" fill="hold">
+                            <p:stCondLst>
+                              <p:cond delay="0"/>
+                            </p:stCondLst>
+                            <p:childTnLst>
+                              <p:par>
+                                <p:cTn id="29" presetID="10" presetClass="entr" presetSubtype="0" fill="hold" nodeType="clickEffect">
+                                  <p:stCondLst>
+                                    <p:cond delay="0"/>
+                                  </p:stCondLst>
+                                  <p:childTnLst>
+                                    <p:set>
+                                      <p:cBhvr>
+                                        <p:cTn id="30" dur="1" fill="hold">
+                                          <p:stCondLst>
+                                            <p:cond delay="0"/>
+                                          </p:stCondLst>
+                                        </p:cTn>
+                                        <p:tgtEl>
+                                          <p:spTgt spid="18"/>
+                                        </p:tgtEl>
+                                        <p:attrNameLst>
+                                          <p:attrName>style.visibility</p:attrName>
+                                        </p:attrNameLst>
+                                      </p:cBhvr>
+                                      <p:to>
+                                        <p:strVal val="visible"/>
+                                      </p:to>
+                                    </p:set>
+                                    <p:animEffect transition="in" filter="fade">
+                                      <p:cBhvr>
+                                        <p:cTn id="31" dur="500"/>
+                                        <p:tgtEl>
+                                          <p:spTgt spid="18"/>
+                                        </p:tgtEl>
+                                      </p:cBhvr>
+                                    </p:animEffect>
+                                  </p:childTnLst>
+                                </p:cTn>
+                              </p:par>
+                              <p:par>
+                                <p:cTn id="32" presetID="10" presetClass="entr" presetSubtype="0" fill="hold" grpId="0" nodeType="withEffect">
+                                  <p:stCondLst>
+                                    <p:cond delay="0"/>
+                                  </p:stCondLst>
+                                  <p:childTnLst>
+                                    <p:set>
+                                      <p:cBhvr>
+                                        <p:cTn id="33" dur="1" fill="hold">
+                                          <p:stCondLst>
+                                            <p:cond delay="0"/>
+                                          </p:stCondLst>
+                                        </p:cTn>
+                                        <p:tgtEl>
+                                          <p:spTgt spid="24"/>
+                                        </p:tgtEl>
+                                        <p:attrNameLst>
+                                          <p:attrName>style.visibility</p:attrName>
+                                        </p:attrNameLst>
+                                      </p:cBhvr>
+                                      <p:to>
+                                        <p:strVal val="visible"/>
+                                      </p:to>
+                                    </p:set>
+                                    <p:animEffect transition="in" filter="fade">
+                                      <p:cBhvr>
+                                        <p:cTn id="34" dur="500"/>
+                                        <p:tgtEl>
+                                          <p:spTgt spid="24"/>
+                                        </p:tgtEl>
+                                      </p:cBhvr>
+                                    </p:animEffect>
+                                  </p:childTnLst>
+                                </p:cTn>
+                              </p:par>
+                            </p:childTnLst>
+                          </p:cTn>
+                        </p:par>
+                      </p:childTnLst>
+                    </p:cTn>
+                  </p:par>
+                  <p:par>
+                    <p:cTn id="35" fill="hold">
+                      <p:stCondLst>
+                        <p:cond delay="indefinite"/>
+                      </p:stCondLst>
+                      <p:childTnLst>
+                        <p:par>
+                          <p:cTn id="36" fill="hold">
+                            <p:stCondLst>
+                              <p:cond delay="0"/>
+                            </p:stCondLst>
+                            <p:childTnLst>
+                              <p:par>
+                                <p:cTn id="37" presetID="10" presetClass="entr" presetSubtype="0" fill="hold" nodeType="clickEffect">
+                                  <p:stCondLst>
+                                    <p:cond delay="0"/>
+                                  </p:stCondLst>
+                                  <p:childTnLst>
+                                    <p:set>
+                                      <p:cBhvr>
+                                        <p:cTn id="38" dur="1" fill="hold">
+                                          <p:stCondLst>
+                                            <p:cond delay="0"/>
+                                          </p:stCondLst>
+                                        </p:cTn>
+                                        <p:tgtEl>
+                                          <p:spTgt spid="17"/>
+                                        </p:tgtEl>
+                                        <p:attrNameLst>
+                                          <p:attrName>style.visibility</p:attrName>
+                                        </p:attrNameLst>
+                                      </p:cBhvr>
+                                      <p:to>
+                                        <p:strVal val="visible"/>
+                                      </p:to>
+                                    </p:set>
+                                    <p:animEffect transition="in" filter="fade">
+                                      <p:cBhvr>
+                                        <p:cTn id="39" dur="500"/>
+                                        <p:tgtEl>
+                                          <p:spTgt spid="17"/>
+                                        </p:tgtEl>
+                                      </p:cBhvr>
+                                    </p:animEffect>
+                                  </p:childTnLst>
+                                </p:cTn>
+                              </p:par>
+                              <p:par>
+                                <p:cTn id="40" presetID="10" presetClass="entr" presetSubtype="0" fill="hold" grpId="0" nodeType="withEffect">
+                                  <p:stCondLst>
+                                    <p:cond delay="0"/>
+                                  </p:stCondLst>
+                                  <p:childTnLst>
+                                    <p:set>
+                                      <p:cBhvr>
+                                        <p:cTn id="41" dur="1" fill="hold">
+                                          <p:stCondLst>
+                                            <p:cond delay="0"/>
+                                          </p:stCondLst>
+                                        </p:cTn>
+                                        <p:tgtEl>
+                                          <p:spTgt spid="23"/>
+                                        </p:tgtEl>
+                                        <p:attrNameLst>
+                                          <p:attrName>style.visibility</p:attrName>
+                                        </p:attrNameLst>
+                                      </p:cBhvr>
+                                      <p:to>
+                                        <p:strVal val="visible"/>
+                                      </p:to>
+                                    </p:set>
+                                    <p:animEffect transition="in" filter="fade">
+                                      <p:cBhvr>
+                                        <p:cTn id="42" dur="500"/>
+                                        <p:tgtEl>
+                                          <p:spTgt spid="23"/>
+                                        </p:tgtEl>
+                                      </p:cBhvr>
+                                    </p:animEffect>
+                                  </p:childTnLst>
+                                </p:cTn>
+                              </p:par>
+                            </p:childTnLst>
+                          </p:cTn>
+                        </p:par>
+                      </p:childTnLst>
+                    </p:cTn>
+                  </p:par>
+                  <p:par>
+                    <p:cTn id="43" fill="hold">
+                      <p:stCondLst>
+                        <p:cond delay="indefinite"/>
+                      </p:stCondLst>
+                      <p:childTnLst>
+                        <p:par>
+                          <p:cTn id="44" fill="hold">
+                            <p:stCondLst>
+                              <p:cond delay="0"/>
+                            </p:stCondLst>
+                            <p:childTnLst>
+                              <p:par>
+                                <p:cTn id="45" presetID="10" presetClass="entr" presetSubtype="0" fill="hold" nodeType="clickEffect">
+                                  <p:stCondLst>
+                                    <p:cond delay="0"/>
+                                  </p:stCondLst>
+                                  <p:childTnLst>
+                                    <p:set>
+                                      <p:cBhvr>
+                                        <p:cTn id="46" dur="1" fill="hold">
+                                          <p:stCondLst>
+                                            <p:cond delay="0"/>
+                                          </p:stCondLst>
+                                        </p:cTn>
+                                        <p:tgtEl>
+                                          <p:spTgt spid="25"/>
+                                        </p:tgtEl>
+                                        <p:attrNameLst>
+                                          <p:attrName>style.visibility</p:attrName>
+                                        </p:attrNameLst>
+                                      </p:cBhvr>
+                                      <p:to>
+                                        <p:strVal val="visible"/>
+                                      </p:to>
+                                    </p:set>
+                                    <p:animEffect transition="in" filter="fade">
+                                      <p:cBhvr>
+                                        <p:cTn id="47" dur="500"/>
+                                        <p:tgtEl>
+                                          <p:spTgt spid="25"/>
+                                        </p:tgtEl>
+                                      </p:cBhvr>
+                                    </p:animEffect>
+                                  </p:childTnLst>
+                                </p:cTn>
+                              </p:par>
+                              <p:par>
+                                <p:cTn id="48" presetID="10" presetClass="entr" presetSubtype="0" fill="hold" grpId="0" nodeType="withEffect">
+                                  <p:stCondLst>
+                                    <p:cond delay="0"/>
+                                  </p:stCondLst>
+                                  <p:childTnLst>
+                                    <p:set>
+                                      <p:cBhvr>
+                                        <p:cTn id="49" dur="1" fill="hold">
+                                          <p:stCondLst>
+                                            <p:cond delay="0"/>
+                                          </p:stCondLst>
+                                        </p:cTn>
+                                        <p:tgtEl>
+                                          <p:spTgt spid="26"/>
+                                        </p:tgtEl>
+                                        <p:attrNameLst>
+                                          <p:attrName>style.visibility</p:attrName>
+                                        </p:attrNameLst>
+                                      </p:cBhvr>
+                                      <p:to>
+                                        <p:strVal val="visible"/>
+                                      </p:to>
+                                    </p:set>
+                                    <p:animEffect transition="in" filter="fade">
+                                      <p:cBhvr>
+                                        <p:cTn id="50" dur="500"/>
+                                        <p:tgtEl>
+                                          <p:spTgt spid="26"/>
+                                        </p:tgtEl>
+                                      </p:cBhvr>
+                                    </p:animEffect>
+                                  </p:childTnLst>
+                                </p:cTn>
+                              </p:par>
+                            </p:childTnLst>
+                          </p:cTn>
+                        </p:par>
+                      </p:childTnLst>
+                    </p:cTn>
+                  </p:par>
+                  <p:par>
+                    <p:cTn id="51" fill="hold">
+                      <p:stCondLst>
+                        <p:cond delay="indefinite"/>
+                      </p:stCondLst>
+                      <p:childTnLst>
+                        <p:par>
+                          <p:cTn id="52" fill="hold">
+                            <p:stCondLst>
+                              <p:cond delay="0"/>
+                            </p:stCondLst>
+                            <p:childTnLst>
+                              <p:par>
+                                <p:cTn id="53" presetID="10" presetClass="entr" presetSubtype="0" fill="hold" nodeType="clickEffect">
+                                  <p:stCondLst>
+                                    <p:cond delay="0"/>
+                                  </p:stCondLst>
+                                  <p:childTnLst>
+                                    <p:set>
+                                      <p:cBhvr>
+                                        <p:cTn id="54" dur="1" fill="hold">
+                                          <p:stCondLst>
+                                            <p:cond delay="0"/>
+                                          </p:stCondLst>
+                                        </p:cTn>
+                                        <p:tgtEl>
+                                          <p:spTgt spid="27"/>
+                                        </p:tgtEl>
+                                        <p:attrNameLst>
+                                          <p:attrName>style.visibility</p:attrName>
+                                        </p:attrNameLst>
+                                      </p:cBhvr>
+                                      <p:to>
+                                        <p:strVal val="visible"/>
+                                      </p:to>
+                                    </p:set>
+                                    <p:animEffect transition="in" filter="fade">
+                                      <p:cBhvr>
+                                        <p:cTn id="55" dur="500"/>
+                                        <p:tgtEl>
+                                          <p:spTgt spid="27"/>
+                                        </p:tgtEl>
+                                      </p:cBhvr>
+                                    </p:animEffect>
+                                  </p:childTnLst>
+                                </p:cTn>
+                              </p:par>
+                              <p:par>
+                                <p:cTn id="56" presetID="10" presetClass="entr" presetSubtype="0" fill="hold" grpId="0" nodeType="withEffect">
+                                  <p:stCondLst>
+                                    <p:cond delay="0"/>
+                                  </p:stCondLst>
+                                  <p:childTnLst>
+                                    <p:set>
+                                      <p:cBhvr>
+                                        <p:cTn id="57" dur="1" fill="hold">
+                                          <p:stCondLst>
+                                            <p:cond delay="0"/>
+                                          </p:stCondLst>
+                                        </p:cTn>
+                                        <p:tgtEl>
+                                          <p:spTgt spid="28"/>
+                                        </p:tgtEl>
+                                        <p:attrNameLst>
+                                          <p:attrName>style.visibility</p:attrName>
+                                        </p:attrNameLst>
+                                      </p:cBhvr>
+                                      <p:to>
+                                        <p:strVal val="visible"/>
+                                      </p:to>
+                                    </p:set>
+                                    <p:animEffect transition="in" filter="fade">
+                                      <p:cBhvr>
+                                        <p:cTn id="58" dur="500"/>
+                                        <p:tgtEl>
+                                          <p:spTgt spid="28"/>
+                                        </p:tgtEl>
+                                      </p:cBhvr>
+                                    </p:animEffect>
+                                  </p:childTnLst>
+                                </p:cTn>
+                              </p:par>
+                              <p:par>
+                                <p:cTn id="59" presetID="10" presetClass="entr" presetSubtype="0" fill="hold" nodeType="withEffect">
+                                  <p:stCondLst>
+                                    <p:cond delay="0"/>
+                                  </p:stCondLst>
+                                  <p:childTnLst>
+                                    <p:set>
+                                      <p:cBhvr>
+                                        <p:cTn id="60" dur="1" fill="hold">
+                                          <p:stCondLst>
+                                            <p:cond delay="0"/>
+                                          </p:stCondLst>
+                                        </p:cTn>
+                                        <p:tgtEl>
+                                          <p:spTgt spid="4"/>
+                                        </p:tgtEl>
+                                        <p:attrNameLst>
+                                          <p:attrName>style.visibility</p:attrName>
+                                        </p:attrNameLst>
+                                      </p:cBhvr>
+                                      <p:to>
+                                        <p:strVal val="visible"/>
+                                      </p:to>
+                                    </p:set>
+                                    <p:animEffect transition="in" filter="fade">
+                                      <p:cBhvr>
+                                        <p:cTn id="61" dur="500"/>
+                                        <p:tgtEl>
+                                          <p:spTgt spid="4"/>
+                                        </p:tgtEl>
+                                      </p:cBhvr>
+                                    </p:animEffect>
+                                  </p:childTnLst>
+                                </p:cTn>
+                              </p:par>
+                            </p:childTnLst>
+                          </p:cTn>
+                        </p:par>
+                      </p:childTnLst>
+                    </p:cTn>
+                  </p:par>
+                </p:childTnLst>
+              </p:cTn>
+              <p:prevCondLst>
+                <p:cond evt="onPrev" delay="0">
+                  <p:tgtEl>
+                    <p:sldTgt/>
+                  </p:tgtEl>
+                </p:cond>
+              </p:prevCondLst>
+              <p:nextCondLst>
+                <p:cond evt="onNext" delay="0">
+                  <p:tgtEl>
+                    <p:sldTgt/>
+                  </p:tgtEl>
+                </p:cond>
+              </p:nextCondLst>
+            </p:seq>
+          </p:childTnLst>
+        </p:cTn>
+      </p:par>
+    </p:tnLst>
+    <p:bldLst>
+      <p:bldP spid="21" grpId="0"/>
+      <p:bldP spid="22" grpId="0"/>
+      <p:bldP spid="23" grpId="0"/>
+      <p:bldP spid="24" grpId="0"/>
+      <p:bldP spid="26" grpId="0"/>
+      <p:bldP spid="28" grpId="0"/>
+      <p:bldP spid="30" grpId="0"/>
+    </p:bldLst>
+  </p:timing>
 </p:sld>
 </file>
 
